--- a/docs/diagrams/LogicComponentSequenceDiagram.pptx
+++ b/docs/diagrams/LogicComponentSequenceDiagram.pptx
@@ -208,7 +208,7 @@
           <a:p>
             <a:fld id="{F5CC4B3F-88C1-4FFA-B1B6-F41C21DC6924}" type="datetimeFigureOut">
               <a:rPr lang="en-US" smtClean="0"/>
-              <a:t>2/6/2017</a:t>
+              <a:t>7/11/2017</a:t>
             </a:fld>
             <a:endParaRPr lang="en-US"/>
           </a:p>
@@ -657,7 +657,7 @@
           <a:p>
             <a:fld id="{78C97017-6FC3-485B-9764-EAC9E56C1D49}" type="datetimeFigureOut">
               <a:rPr lang="en-US" smtClean="0"/>
-              <a:t>2/6/2017</a:t>
+              <a:t>7/11/2017</a:t>
             </a:fld>
             <a:endParaRPr lang="en-US"/>
           </a:p>
@@ -827,7 +827,7 @@
           <a:p>
             <a:fld id="{78C97017-6FC3-485B-9764-EAC9E56C1D49}" type="datetimeFigureOut">
               <a:rPr lang="en-US" smtClean="0"/>
-              <a:t>2/6/2017</a:t>
+              <a:t>7/11/2017</a:t>
             </a:fld>
             <a:endParaRPr lang="en-US"/>
           </a:p>
@@ -1007,7 +1007,7 @@
           <a:p>
             <a:fld id="{78C97017-6FC3-485B-9764-EAC9E56C1D49}" type="datetimeFigureOut">
               <a:rPr lang="en-US" smtClean="0"/>
-              <a:t>2/6/2017</a:t>
+              <a:t>7/11/2017</a:t>
             </a:fld>
             <a:endParaRPr lang="en-US"/>
           </a:p>
@@ -1177,7 +1177,7 @@
           <a:p>
             <a:fld id="{78C97017-6FC3-485B-9764-EAC9E56C1D49}" type="datetimeFigureOut">
               <a:rPr lang="en-US" smtClean="0"/>
-              <a:t>2/6/2017</a:t>
+              <a:t>7/11/2017</a:t>
             </a:fld>
             <a:endParaRPr lang="en-US"/>
           </a:p>
@@ -1423,7 +1423,7 @@
           <a:p>
             <a:fld id="{78C97017-6FC3-485B-9764-EAC9E56C1D49}" type="datetimeFigureOut">
               <a:rPr lang="en-US" smtClean="0"/>
-              <a:t>2/6/2017</a:t>
+              <a:t>7/11/2017</a:t>
             </a:fld>
             <a:endParaRPr lang="en-US"/>
           </a:p>
@@ -1711,7 +1711,7 @@
           <a:p>
             <a:fld id="{78C97017-6FC3-485B-9764-EAC9E56C1D49}" type="datetimeFigureOut">
               <a:rPr lang="en-US" smtClean="0"/>
-              <a:t>2/6/2017</a:t>
+              <a:t>7/11/2017</a:t>
             </a:fld>
             <a:endParaRPr lang="en-US"/>
           </a:p>
@@ -2133,7 +2133,7 @@
           <a:p>
             <a:fld id="{78C97017-6FC3-485B-9764-EAC9E56C1D49}" type="datetimeFigureOut">
               <a:rPr lang="en-US" smtClean="0"/>
-              <a:t>2/6/2017</a:t>
+              <a:t>7/11/2017</a:t>
             </a:fld>
             <a:endParaRPr lang="en-US"/>
           </a:p>
@@ -2251,7 +2251,7 @@
           <a:p>
             <a:fld id="{78C97017-6FC3-485B-9764-EAC9E56C1D49}" type="datetimeFigureOut">
               <a:rPr lang="en-US" smtClean="0"/>
-              <a:t>2/6/2017</a:t>
+              <a:t>7/11/2017</a:t>
             </a:fld>
             <a:endParaRPr lang="en-US"/>
           </a:p>
@@ -2346,7 +2346,7 @@
           <a:p>
             <a:fld id="{78C97017-6FC3-485B-9764-EAC9E56C1D49}" type="datetimeFigureOut">
               <a:rPr lang="en-US" smtClean="0"/>
-              <a:t>2/6/2017</a:t>
+              <a:t>7/11/2017</a:t>
             </a:fld>
             <a:endParaRPr lang="en-US"/>
           </a:p>
@@ -2623,7 +2623,7 @@
           <a:p>
             <a:fld id="{78C97017-6FC3-485B-9764-EAC9E56C1D49}" type="datetimeFigureOut">
               <a:rPr lang="en-US" smtClean="0"/>
-              <a:t>2/6/2017</a:t>
+              <a:t>7/11/2017</a:t>
             </a:fld>
             <a:endParaRPr lang="en-US"/>
           </a:p>
@@ -2876,7 +2876,7 @@
           <a:p>
             <a:fld id="{78C97017-6FC3-485B-9764-EAC9E56C1D49}" type="datetimeFigureOut">
               <a:rPr lang="en-US" smtClean="0"/>
-              <a:t>2/6/2017</a:t>
+              <a:t>7/11/2017</a:t>
             </a:fld>
             <a:endParaRPr lang="en-US"/>
           </a:p>
@@ -3089,7 +3089,7 @@
           <a:p>
             <a:fld id="{78C97017-6FC3-485B-9764-EAC9E56C1D49}" type="datetimeFigureOut">
               <a:rPr lang="en-US" smtClean="0"/>
-              <a:t>2/6/2017</a:t>
+              <a:t>7/11/2017</a:t>
             </a:fld>
             <a:endParaRPr lang="en-US"/>
           </a:p>
@@ -3472,7 +3472,7 @@
         </p:nvSpPr>
         <p:spPr>
           <a:xfrm>
-            <a:off x="685800" y="1981200"/>
+            <a:off x="695417" y="1981200"/>
             <a:ext cx="7252956" cy="4000286"/>
           </a:xfrm>
           <a:prstGeom prst="roundRect">
@@ -3533,7 +3533,7 @@
         </p:nvSpPr>
         <p:spPr>
           <a:xfrm>
-            <a:off x="845045" y="2296546"/>
+            <a:off x="854662" y="2296546"/>
             <a:ext cx="1455629" cy="346760"/>
           </a:xfrm>
           <a:prstGeom prst="rect">
@@ -3600,7 +3600,7 @@
         </p:nvCxnSpPr>
         <p:spPr>
           <a:xfrm>
-            <a:off x="1572859" y="2660217"/>
+            <a:off x="1582476" y="2660217"/>
             <a:ext cx="0" cy="2597583"/>
           </a:xfrm>
           <a:prstGeom prst="line">
@@ -3637,7 +3637,7 @@
         </p:nvSpPr>
         <p:spPr>
           <a:xfrm>
-            <a:off x="1500851" y="3010911"/>
+            <a:off x="1510468" y="3010911"/>
             <a:ext cx="152400" cy="2780287"/>
           </a:xfrm>
           <a:prstGeom prst="rect">
@@ -3684,7 +3684,7 @@
         </p:nvSpPr>
         <p:spPr>
           <a:xfrm>
-            <a:off x="2809782" y="2300233"/>
+            <a:off x="2819399" y="2300233"/>
             <a:ext cx="1093635" cy="346760"/>
           </a:xfrm>
           <a:prstGeom prst="rect">
@@ -3743,7 +3743,7 @@
         </p:nvCxnSpPr>
         <p:spPr>
           <a:xfrm>
-            <a:off x="3356599" y="2663904"/>
+            <a:off x="3366216" y="2663904"/>
             <a:ext cx="0" cy="1695374"/>
           </a:xfrm>
           <a:prstGeom prst="line">
@@ -3780,7 +3780,7 @@
         </p:nvSpPr>
         <p:spPr>
           <a:xfrm>
-            <a:off x="3284590" y="3122096"/>
+            <a:off x="3294207" y="3122096"/>
             <a:ext cx="174929" cy="1129459"/>
           </a:xfrm>
           <a:prstGeom prst="rect">
@@ -3831,8 +3831,8 @@
         </p:nvSpPr>
         <p:spPr>
           <a:xfrm>
-            <a:off x="6221565" y="3312740"/>
-            <a:ext cx="1093635" cy="461538"/>
+            <a:off x="6231182" y="3238231"/>
+            <a:ext cx="1555758" cy="536047"/>
           </a:xfrm>
           <a:prstGeom prst="rect">
             <a:avLst/>
@@ -3872,7 +3872,7 @@
                   <a:schemeClr val="bg1"/>
                 </a:solidFill>
               </a:rPr>
-              <a:t>d:Delete</a:t>
+              <a:t>d:DeleteByIndex</a:t>
             </a:r>
             <a:r>
               <a:rPr lang="en-US" sz="1600" dirty="0">
@@ -3915,7 +3915,7 @@
         </p:nvCxnSpPr>
         <p:spPr>
           <a:xfrm>
-            <a:off x="6772574" y="3774278"/>
+            <a:off x="6782191" y="3774278"/>
             <a:ext cx="0" cy="1940722"/>
           </a:xfrm>
           <a:prstGeom prst="line">
@@ -3952,7 +3952,7 @@
         </p:nvSpPr>
         <p:spPr>
           <a:xfrm>
-            <a:off x="6696374" y="3774278"/>
+            <a:off x="6705991" y="3774278"/>
             <a:ext cx="152400" cy="276003"/>
           </a:xfrm>
           <a:prstGeom prst="rect">
@@ -4035,7 +4035,7 @@
         </p:nvCxnSpPr>
         <p:spPr>
           <a:xfrm flipV="1">
-            <a:off x="1653251" y="3122097"/>
+            <a:off x="1662868" y="3122097"/>
             <a:ext cx="1596514" cy="1"/>
           </a:xfrm>
           <a:prstGeom prst="straightConnector1">
@@ -4071,8 +4071,8 @@
         </p:nvSpPr>
         <p:spPr>
           <a:xfrm>
-            <a:off x="0" y="2743200"/>
-            <a:ext cx="1424846" cy="215444"/>
+            <a:off x="-108724" y="2719542"/>
+            <a:ext cx="1919674" cy="223725"/>
           </a:xfrm>
           <a:prstGeom prst="rect">
             <a:avLst/>
@@ -4092,7 +4092,39 @@
                   <a:srgbClr val="0070C0"/>
                 </a:solidFill>
               </a:rPr>
-              <a:t>execute(“delete 1”)</a:t>
+              <a:t>execute</a:t>
+            </a:r>
+            <a:r>
+              <a:rPr lang="en-US" sz="1400" dirty="0" smtClean="0">
+                <a:solidFill>
+                  <a:srgbClr val="0070C0"/>
+                </a:solidFill>
+              </a:rPr>
+              <a:t>(“delete </a:t>
+            </a:r>
+            <a:r>
+              <a:rPr lang="en-US" sz="1400" dirty="0" smtClean="0">
+                <a:solidFill>
+                  <a:srgbClr val="0070C0"/>
+                </a:solidFill>
+              </a:rPr>
+              <a:t>/float </a:t>
+            </a:r>
+            <a:r>
+              <a:rPr lang="en-US" sz="1400" dirty="0" smtClean="0">
+                <a:solidFill>
+                  <a:srgbClr val="0070C0"/>
+                </a:solidFill>
+              </a:rPr>
+              <a:t>1</a:t>
+            </a:r>
+            <a:r>
+              <a:rPr lang="en-US" sz="1400" dirty="0" smtClean="0">
+                <a:solidFill>
+                  <a:srgbClr val="0070C0"/>
+                </a:solidFill>
+              </a:rPr>
+              <a:t>”)</a:t>
             </a:r>
             <a:endParaRPr lang="en-US" sz="1400" dirty="0">
               <a:solidFill>
@@ -4110,7 +4142,7 @@
         </p:nvCxnSpPr>
         <p:spPr>
           <a:xfrm flipV="1">
-            <a:off x="5257218" y="3703214"/>
+            <a:off x="5266835" y="3703214"/>
             <a:ext cx="922392" cy="1"/>
           </a:xfrm>
           <a:prstGeom prst="straightConnector1">
@@ -4146,7 +4178,7 @@
         </p:nvSpPr>
         <p:spPr>
           <a:xfrm>
-            <a:off x="4257582" y="4251556"/>
+            <a:off x="4267199" y="4251556"/>
             <a:ext cx="855809" cy="215444"/>
           </a:xfrm>
           <a:prstGeom prst="rect">
@@ -4186,7 +4218,7 @@
         </p:nvCxnSpPr>
         <p:spPr>
           <a:xfrm>
-            <a:off x="5257800" y="4050281"/>
+            <a:off x="5267417" y="4050281"/>
             <a:ext cx="1492974" cy="0"/>
           </a:xfrm>
           <a:prstGeom prst="straightConnector1">
@@ -4224,7 +4256,7 @@
         </p:nvCxnSpPr>
         <p:spPr>
           <a:xfrm flipV="1">
-            <a:off x="1670186" y="4243231"/>
+            <a:off x="1679803" y="4243231"/>
             <a:ext cx="1596514" cy="5378"/>
           </a:xfrm>
           <a:prstGeom prst="straightConnector1">
@@ -4300,7 +4332,7 @@
         </p:nvSpPr>
         <p:spPr>
           <a:xfrm>
-            <a:off x="8265896" y="2362200"/>
+            <a:off x="8275513" y="2362200"/>
             <a:ext cx="1030504" cy="346760"/>
           </a:xfrm>
           <a:prstGeom prst="rect">
@@ -4365,7 +4397,7 @@
         </p:nvCxnSpPr>
         <p:spPr>
           <a:xfrm>
-            <a:off x="1653251" y="4495317"/>
+            <a:off x="1662868" y="4495317"/>
             <a:ext cx="5043123" cy="0"/>
           </a:xfrm>
           <a:prstGeom prst="straightConnector1">
@@ -4401,7 +4433,7 @@
         </p:nvSpPr>
         <p:spPr>
           <a:xfrm>
-            <a:off x="6687452" y="4467000"/>
+            <a:off x="6697069" y="4467000"/>
             <a:ext cx="161322" cy="1019400"/>
           </a:xfrm>
           <a:prstGeom prst="rect">
@@ -4448,7 +4480,7 @@
         </p:nvCxnSpPr>
         <p:spPr>
           <a:xfrm>
-            <a:off x="8781148" y="2700858"/>
+            <a:off x="8790765" y="2700858"/>
             <a:ext cx="0" cy="2830598"/>
           </a:xfrm>
           <a:prstGeom prst="line">
@@ -4488,7 +4520,7 @@
         </p:nvSpPr>
         <p:spPr>
           <a:xfrm>
-            <a:off x="8686800" y="4524597"/>
+            <a:off x="8696417" y="4524597"/>
             <a:ext cx="152400" cy="199803"/>
           </a:xfrm>
           <a:prstGeom prst="rect">
@@ -4545,7 +4577,7 @@
         </p:nvCxnSpPr>
         <p:spPr>
           <a:xfrm>
-            <a:off x="6850663" y="4524597"/>
+            <a:off x="6860280" y="4524597"/>
             <a:ext cx="1836137" cy="0"/>
           </a:xfrm>
           <a:prstGeom prst="straightConnector1">
@@ -4581,7 +4613,7 @@
         </p:nvCxnSpPr>
         <p:spPr>
           <a:xfrm flipV="1">
-            <a:off x="6848774" y="4714650"/>
+            <a:off x="6858391" y="4714650"/>
             <a:ext cx="1838026" cy="9750"/>
           </a:xfrm>
           <a:prstGeom prst="straightConnector1">
@@ -4622,7 +4654,7 @@
         </p:nvCxnSpPr>
         <p:spPr>
           <a:xfrm>
-            <a:off x="1653251" y="5486400"/>
+            <a:off x="1662868" y="5486400"/>
             <a:ext cx="5052349" cy="0"/>
           </a:xfrm>
           <a:prstGeom prst="straightConnector1">
@@ -4660,7 +4692,7 @@
         </p:nvSpPr>
         <p:spPr>
           <a:xfrm>
-            <a:off x="6984957" y="4267200"/>
+            <a:off x="6994574" y="4267200"/>
             <a:ext cx="1424846" cy="215444"/>
           </a:xfrm>
           <a:prstGeom prst="rect">
@@ -4691,15 +4723,15 @@
                   <a:srgbClr val="7030A0"/>
                 </a:solidFill>
               </a:rPr>
-              <a:t>deletePerson</a:t>
-            </a:r>
-            <a:r>
-              <a:rPr lang="en-US" dirty="0" smtClean="0">
+              <a:t>deleteEntry</a:t>
+            </a:r>
+            <a:r>
+              <a:rPr lang="en-US" smtClean="0">
                 <a:solidFill>
                   <a:srgbClr val="7030A0"/>
                 </a:solidFill>
               </a:rPr>
-              <a:t>(p)</a:t>
+              <a:t>(e)</a:t>
             </a:r>
             <a:endParaRPr lang="en-US" dirty="0">
               <a:solidFill>
@@ -4717,8 +4749,8 @@
         </p:nvSpPr>
         <p:spPr>
           <a:xfrm>
-            <a:off x="3847551" y="3657600"/>
-            <a:ext cx="767033" cy="184666"/>
+            <a:off x="3815908" y="3685210"/>
+            <a:ext cx="1015833" cy="184666"/>
           </a:xfrm>
           <a:prstGeom prst="rect">
             <a:avLst/>
@@ -4748,7 +4780,15 @@
             </a:r>
             <a:r>
               <a:rPr lang="en-US" sz="1200" dirty="0" smtClean="0"/>
-              <a:t>arse(“1”)</a:t>
+              <a:t>arse</a:t>
+            </a:r>
+            <a:r>
+              <a:rPr lang="en-US" sz="1200" dirty="0" smtClean="0"/>
+              <a:t>(“/float 1</a:t>
+            </a:r>
+            <a:r>
+              <a:rPr lang="en-US" sz="1200" dirty="0" smtClean="0"/>
+              <a:t>”)</a:t>
             </a:r>
             <a:endParaRPr lang="en-US" sz="1200" dirty="0"/>
           </a:p>
@@ -4762,8 +4802,8 @@
         </p:nvSpPr>
         <p:spPr>
           <a:xfrm>
-            <a:off x="1742982" y="2850922"/>
-            <a:ext cx="1424846" cy="215444"/>
+            <a:off x="1602318" y="2863862"/>
+            <a:ext cx="1817155" cy="215444"/>
           </a:xfrm>
           <a:prstGeom prst="rect">
             <a:avLst/>
@@ -4789,7 +4829,15 @@
           <a:p>
             <a:r>
               <a:rPr lang="en-US" dirty="0" smtClean="0"/>
-              <a:t>parse(“delete 1”)</a:t>
+              <a:t>parse(“delete </a:t>
+            </a:r>
+            <a:r>
+              <a:rPr lang="en-US" dirty="0" smtClean="0"/>
+              <a:t>/float 1</a:t>
+            </a:r>
+            <a:r>
+              <a:rPr lang="en-US" dirty="0" smtClean="0"/>
+              <a:t>”)</a:t>
             </a:r>
             <a:endParaRPr lang="en-US" dirty="0"/>
           </a:p>
@@ -4803,7 +4851,7 @@
         </p:nvSpPr>
         <p:spPr>
           <a:xfrm>
-            <a:off x="4340137" y="5255323"/>
+            <a:off x="4349754" y="5255323"/>
             <a:ext cx="621216" cy="215444"/>
           </a:xfrm>
           <a:prstGeom prst="rect">
@@ -4844,7 +4892,7 @@
         </p:nvSpPr>
         <p:spPr>
           <a:xfrm>
-            <a:off x="599983" y="5538488"/>
+            <a:off x="609600" y="5538488"/>
             <a:ext cx="762000" cy="215444"/>
           </a:xfrm>
           <a:prstGeom prst="rect">
@@ -4885,7 +4933,7 @@
         </p:nvSpPr>
         <p:spPr>
           <a:xfrm>
-            <a:off x="7020246" y="4777286"/>
+            <a:off x="7029863" y="4777286"/>
             <a:ext cx="1590354" cy="461538"/>
           </a:xfrm>
           <a:prstGeom prst="rect">
@@ -4934,7 +4982,15 @@
                   <a:schemeClr val="bg1"/>
                 </a:solidFill>
               </a:rPr>
-              <a:t> Result</a:t>
+              <a:t> </a:t>
+            </a:r>
+            <a:r>
+              <a:rPr lang="en-US" sz="1600" dirty="0" smtClean="0">
+                <a:solidFill>
+                  <a:schemeClr val="bg1"/>
+                </a:solidFill>
+              </a:rPr>
+              <a:t>Result</a:t>
             </a:r>
             <a:endParaRPr lang="en-SG" sz="1600" dirty="0">
               <a:solidFill>
@@ -4952,7 +5008,7 @@
         </p:nvSpPr>
         <p:spPr>
           <a:xfrm>
-            <a:off x="7777323" y="5238824"/>
+            <a:off x="7786940" y="5238824"/>
             <a:ext cx="152400" cy="171376"/>
           </a:xfrm>
           <a:prstGeom prst="rect">
@@ -4999,7 +5055,7 @@
         </p:nvCxnSpPr>
         <p:spPr>
           <a:xfrm>
-            <a:off x="6858000" y="5410200"/>
+            <a:off x="6867617" y="5410200"/>
             <a:ext cx="966624" cy="0"/>
           </a:xfrm>
           <a:prstGeom prst="straightConnector1">
@@ -5037,7 +5093,7 @@
         </p:nvSpPr>
         <p:spPr>
           <a:xfrm>
-            <a:off x="2673845" y="4027787"/>
+            <a:off x="2683462" y="4027787"/>
             <a:ext cx="220343" cy="215444"/>
           </a:xfrm>
           <a:prstGeom prst="rect">
@@ -5078,7 +5134,7 @@
         </p:nvSpPr>
         <p:spPr>
           <a:xfrm>
-            <a:off x="4231981" y="2929839"/>
+            <a:off x="4241598" y="2929839"/>
             <a:ext cx="1778201" cy="432035"/>
           </a:xfrm>
           <a:prstGeom prst="rect">
@@ -5161,7 +5217,7 @@
         </p:nvCxnSpPr>
         <p:spPr>
           <a:xfrm>
-            <a:off x="3462591" y="3657600"/>
+            <a:off x="3472208" y="3657600"/>
             <a:ext cx="1597356" cy="1"/>
           </a:xfrm>
           <a:prstGeom prst="straightConnector1">
@@ -5195,7 +5251,7 @@
         </p:nvSpPr>
         <p:spPr>
           <a:xfrm>
-            <a:off x="5059947" y="3352800"/>
+            <a:off x="5069564" y="3352800"/>
             <a:ext cx="205843" cy="123165"/>
           </a:xfrm>
           <a:prstGeom prst="rect">
@@ -5244,7 +5300,7 @@
         </p:nvCxnSpPr>
         <p:spPr>
           <a:xfrm>
-            <a:off x="5162869" y="3352800"/>
+            <a:off x="5172486" y="3352800"/>
             <a:ext cx="0" cy="990600"/>
           </a:xfrm>
           <a:prstGeom prst="line">
@@ -5281,7 +5337,7 @@
         </p:nvSpPr>
         <p:spPr>
           <a:xfrm>
-            <a:off x="5059947" y="3657601"/>
+            <a:off x="5069564" y="3657601"/>
             <a:ext cx="205843" cy="533400"/>
           </a:xfrm>
           <a:prstGeom prst="rect">
@@ -5328,7 +5384,7 @@
         </p:nvCxnSpPr>
         <p:spPr>
           <a:xfrm>
-            <a:off x="3499382" y="4185073"/>
+            <a:off x="3508999" y="4185073"/>
             <a:ext cx="1667219" cy="0"/>
           </a:xfrm>
           <a:prstGeom prst="straightConnector1">
@@ -5366,7 +5422,7 @@
         </p:nvCxnSpPr>
         <p:spPr>
           <a:xfrm>
-            <a:off x="6858000" y="5029200"/>
+            <a:off x="6867617" y="5029200"/>
             <a:ext cx="162246" cy="0"/>
           </a:xfrm>
           <a:prstGeom prst="straightConnector1">
@@ -5400,7 +5456,7 @@
         </p:nvCxnSpPr>
         <p:spPr>
           <a:xfrm>
-            <a:off x="3412425" y="3173004"/>
+            <a:off x="3422042" y="3173004"/>
             <a:ext cx="819556" cy="1"/>
           </a:xfrm>
           <a:prstGeom prst="straightConnector1">
@@ -5436,7 +5492,7 @@
         </p:nvCxnSpPr>
         <p:spPr>
           <a:xfrm>
-            <a:off x="3459519" y="3475965"/>
+            <a:off x="3469136" y="3475965"/>
             <a:ext cx="1600428" cy="0"/>
           </a:xfrm>
           <a:prstGeom prst="straightConnector1">
@@ -5474,7 +5530,7 @@
         </p:nvSpPr>
         <p:spPr>
           <a:xfrm>
-            <a:off x="5033665" y="4199590"/>
+            <a:off x="5043282" y="4199590"/>
             <a:ext cx="258404" cy="261610"/>
           </a:xfrm>
           <a:prstGeom prst="rect">

--- a/docs/diagrams/LogicComponentSequenceDiagram.pptx
+++ b/docs/diagrams/LogicComponentSequenceDiagram.pptx
@@ -3738,13 +3738,15 @@
       <p:cxnSp>
         <p:nvCxnSpPr>
           <p:cNvPr id="17" name="Straight Connector 16"/>
-          <p:cNvCxnSpPr/>
+          <p:cNvCxnSpPr>
+            <a:endCxn id="18" idx="2"/>
+          </p:cNvCxnSpPr>
           <p:nvPr/>
         </p:nvCxnSpPr>
         <p:spPr>
           <a:xfrm>
             <a:off x="3366216" y="2663904"/>
-            <a:ext cx="0" cy="1695374"/>
+            <a:ext cx="15456" cy="1587651"/>
           </a:xfrm>
           <a:prstGeom prst="line">
             <a:avLst/>
@@ -3910,13 +3912,14 @@
           <p:cNvPr id="20" name="Straight Connector 19"/>
           <p:cNvCxnSpPr>
             <a:stCxn id="21" idx="0"/>
+            <a:endCxn id="65" idx="2"/>
           </p:cNvCxnSpPr>
           <p:nvPr/>
         </p:nvCxnSpPr>
         <p:spPr>
-          <a:xfrm>
-            <a:off x="6782191" y="3774278"/>
-            <a:ext cx="0" cy="1940722"/>
+          <a:xfrm flipH="1">
+            <a:off x="6777730" y="3774278"/>
+            <a:ext cx="4461" cy="1712122"/>
           </a:xfrm>
           <a:prstGeom prst="line">
             <a:avLst/>
@@ -4092,39 +4095,7 @@
                   <a:srgbClr val="0070C0"/>
                 </a:solidFill>
               </a:rPr>
-              <a:t>execute</a:t>
-            </a:r>
-            <a:r>
-              <a:rPr lang="en-US" sz="1400" dirty="0" smtClean="0">
-                <a:solidFill>
-                  <a:srgbClr val="0070C0"/>
-                </a:solidFill>
-              </a:rPr>
-              <a:t>(“delete </a:t>
-            </a:r>
-            <a:r>
-              <a:rPr lang="en-US" sz="1400" dirty="0" smtClean="0">
-                <a:solidFill>
-                  <a:srgbClr val="0070C0"/>
-                </a:solidFill>
-              </a:rPr>
-              <a:t>/float </a:t>
-            </a:r>
-            <a:r>
-              <a:rPr lang="en-US" sz="1400" dirty="0" smtClean="0">
-                <a:solidFill>
-                  <a:srgbClr val="0070C0"/>
-                </a:solidFill>
-              </a:rPr>
-              <a:t>1</a:t>
-            </a:r>
-            <a:r>
-              <a:rPr lang="en-US" sz="1400" dirty="0" smtClean="0">
-                <a:solidFill>
-                  <a:srgbClr val="0070C0"/>
-                </a:solidFill>
-              </a:rPr>
-              <a:t>”)</a:t>
+              <a:t>execute(“delete /float 1”)</a:t>
             </a:r>
             <a:endParaRPr lang="en-US" sz="1400" dirty="0">
               <a:solidFill>
@@ -4780,15 +4751,7 @@
             </a:r>
             <a:r>
               <a:rPr lang="en-US" sz="1200" dirty="0" smtClean="0"/>
-              <a:t>arse</a:t>
-            </a:r>
-            <a:r>
-              <a:rPr lang="en-US" sz="1200" dirty="0" smtClean="0"/>
-              <a:t>(“/float 1</a:t>
-            </a:r>
-            <a:r>
-              <a:rPr lang="en-US" sz="1200" dirty="0" smtClean="0"/>
-              <a:t>”)</a:t>
+              <a:t>arse(“/float 1”)</a:t>
             </a:r>
             <a:endParaRPr lang="en-US" sz="1200" dirty="0"/>
           </a:p>
@@ -4829,15 +4792,7 @@
           <a:p>
             <a:r>
               <a:rPr lang="en-US" dirty="0" smtClean="0"/>
-              <a:t>parse(“delete </a:t>
-            </a:r>
-            <a:r>
-              <a:rPr lang="en-US" dirty="0" smtClean="0"/>
-              <a:t>/float 1</a:t>
-            </a:r>
-            <a:r>
-              <a:rPr lang="en-US" dirty="0" smtClean="0"/>
-              <a:t>”)</a:t>
+              <a:t>parse(“delete /float 1”)</a:t>
             </a:r>
             <a:endParaRPr lang="en-US" dirty="0"/>
           </a:p>
@@ -4982,15 +4937,7 @@
                   <a:schemeClr val="bg1"/>
                 </a:solidFill>
               </a:rPr>
-              <a:t> </a:t>
-            </a:r>
-            <a:r>
-              <a:rPr lang="en-US" sz="1600" dirty="0" smtClean="0">
-                <a:solidFill>
-                  <a:schemeClr val="bg1"/>
-                </a:solidFill>
-              </a:rPr>
-              <a:t>Result</a:t>
+              <a:t> Result</a:t>
             </a:r>
             <a:endParaRPr lang="en-SG" sz="1600" dirty="0">
               <a:solidFill>

--- a/docs/diagrams/LogicComponentSequenceDiagram.pptx
+++ b/docs/diagrams/LogicComponentSequenceDiagram.pptx
@@ -208,7 +208,7 @@
           <a:p>
             <a:fld id="{F5CC4B3F-88C1-4FFA-B1B6-F41C21DC6924}" type="datetimeFigureOut">
               <a:rPr lang="en-US" smtClean="0"/>
-              <a:t>7/11/2017</a:t>
+              <a:t>7/18/2017</a:t>
             </a:fld>
             <a:endParaRPr lang="en-US"/>
           </a:p>
@@ -657,7 +657,7 @@
           <a:p>
             <a:fld id="{78C97017-6FC3-485B-9764-EAC9E56C1D49}" type="datetimeFigureOut">
               <a:rPr lang="en-US" smtClean="0"/>
-              <a:t>7/11/2017</a:t>
+              <a:t>7/18/2017</a:t>
             </a:fld>
             <a:endParaRPr lang="en-US"/>
           </a:p>
@@ -827,7 +827,7 @@
           <a:p>
             <a:fld id="{78C97017-6FC3-485B-9764-EAC9E56C1D49}" type="datetimeFigureOut">
               <a:rPr lang="en-US" smtClean="0"/>
-              <a:t>7/11/2017</a:t>
+              <a:t>7/18/2017</a:t>
             </a:fld>
             <a:endParaRPr lang="en-US"/>
           </a:p>
@@ -1007,7 +1007,7 @@
           <a:p>
             <a:fld id="{78C97017-6FC3-485B-9764-EAC9E56C1D49}" type="datetimeFigureOut">
               <a:rPr lang="en-US" smtClean="0"/>
-              <a:t>7/11/2017</a:t>
+              <a:t>7/18/2017</a:t>
             </a:fld>
             <a:endParaRPr lang="en-US"/>
           </a:p>
@@ -1177,7 +1177,7 @@
           <a:p>
             <a:fld id="{78C97017-6FC3-485B-9764-EAC9E56C1D49}" type="datetimeFigureOut">
               <a:rPr lang="en-US" smtClean="0"/>
-              <a:t>7/11/2017</a:t>
+              <a:t>7/18/2017</a:t>
             </a:fld>
             <a:endParaRPr lang="en-US"/>
           </a:p>
@@ -1423,7 +1423,7 @@
           <a:p>
             <a:fld id="{78C97017-6FC3-485B-9764-EAC9E56C1D49}" type="datetimeFigureOut">
               <a:rPr lang="en-US" smtClean="0"/>
-              <a:t>7/11/2017</a:t>
+              <a:t>7/18/2017</a:t>
             </a:fld>
             <a:endParaRPr lang="en-US"/>
           </a:p>
@@ -1711,7 +1711,7 @@
           <a:p>
             <a:fld id="{78C97017-6FC3-485B-9764-EAC9E56C1D49}" type="datetimeFigureOut">
               <a:rPr lang="en-US" smtClean="0"/>
-              <a:t>7/11/2017</a:t>
+              <a:t>7/18/2017</a:t>
             </a:fld>
             <a:endParaRPr lang="en-US"/>
           </a:p>
@@ -2133,7 +2133,7 @@
           <a:p>
             <a:fld id="{78C97017-6FC3-485B-9764-EAC9E56C1D49}" type="datetimeFigureOut">
               <a:rPr lang="en-US" smtClean="0"/>
-              <a:t>7/11/2017</a:t>
+              <a:t>7/18/2017</a:t>
             </a:fld>
             <a:endParaRPr lang="en-US"/>
           </a:p>
@@ -2251,7 +2251,7 @@
           <a:p>
             <a:fld id="{78C97017-6FC3-485B-9764-EAC9E56C1D49}" type="datetimeFigureOut">
               <a:rPr lang="en-US" smtClean="0"/>
-              <a:t>7/11/2017</a:t>
+              <a:t>7/18/2017</a:t>
             </a:fld>
             <a:endParaRPr lang="en-US"/>
           </a:p>
@@ -2346,7 +2346,7 @@
           <a:p>
             <a:fld id="{78C97017-6FC3-485B-9764-EAC9E56C1D49}" type="datetimeFigureOut">
               <a:rPr lang="en-US" smtClean="0"/>
-              <a:t>7/11/2017</a:t>
+              <a:t>7/18/2017</a:t>
             </a:fld>
             <a:endParaRPr lang="en-US"/>
           </a:p>
@@ -2623,7 +2623,7 @@
           <a:p>
             <a:fld id="{78C97017-6FC3-485B-9764-EAC9E56C1D49}" type="datetimeFigureOut">
               <a:rPr lang="en-US" smtClean="0"/>
-              <a:t>7/11/2017</a:t>
+              <a:t>7/18/2017</a:t>
             </a:fld>
             <a:endParaRPr lang="en-US"/>
           </a:p>
@@ -2876,7 +2876,7 @@
           <a:p>
             <a:fld id="{78C97017-6FC3-485B-9764-EAC9E56C1D49}" type="datetimeFigureOut">
               <a:rPr lang="en-US" smtClean="0"/>
-              <a:t>7/11/2017</a:t>
+              <a:t>7/18/2017</a:t>
             </a:fld>
             <a:endParaRPr lang="en-US"/>
           </a:p>
@@ -3089,7 +3089,7 @@
           <a:p>
             <a:fld id="{78C97017-6FC3-485B-9764-EAC9E56C1D49}" type="datetimeFigureOut">
               <a:rPr lang="en-US" smtClean="0"/>
-              <a:t>7/11/2017</a:t>
+              <a:t>7/18/2017</a:t>
             </a:fld>
             <a:endParaRPr lang="en-US"/>
           </a:p>
@@ -4095,7 +4095,23 @@
                   <a:srgbClr val="0070C0"/>
                 </a:solidFill>
               </a:rPr>
-              <a:t>execute(“delete /float 1”)</a:t>
+              <a:t>execute(“delete </a:t>
+            </a:r>
+            <a:r>
+              <a:rPr lang="en-US" sz="1400" dirty="0" smtClean="0">
+                <a:solidFill>
+                  <a:srgbClr val="0070C0"/>
+                </a:solidFill>
+              </a:rPr>
+              <a:t>float </a:t>
+            </a:r>
+            <a:r>
+              <a:rPr lang="en-US" sz="1400" dirty="0" smtClean="0">
+                <a:solidFill>
+                  <a:srgbClr val="0070C0"/>
+                </a:solidFill>
+              </a:rPr>
+              <a:t>1”)</a:t>
             </a:r>
             <a:endParaRPr lang="en-US" sz="1400" dirty="0">
               <a:solidFill>
@@ -4746,12 +4762,20 @@
           </a:lstStyle>
           <a:p>
             <a:r>
-              <a:rPr lang="en-US" sz="1200" dirty="0"/>
+              <a:rPr lang="en-US" sz="1200"/>
               <a:t>p</a:t>
             </a:r>
             <a:r>
+              <a:rPr lang="en-US" sz="1200" smtClean="0"/>
+              <a:t>arse</a:t>
+            </a:r>
+            <a:r>
+              <a:rPr lang="en-US" sz="1200" smtClean="0"/>
+              <a:t>(“float </a:t>
+            </a:r>
+            <a:r>
               <a:rPr lang="en-US" sz="1200" dirty="0" smtClean="0"/>
-              <a:t>arse(“/float 1”)</a:t>
+              <a:t>1”)</a:t>
             </a:r>
             <a:endParaRPr lang="en-US" sz="1200" dirty="0"/>
           </a:p>
@@ -4792,7 +4816,15 @@
           <a:p>
             <a:r>
               <a:rPr lang="en-US" dirty="0" smtClean="0"/>
-              <a:t>parse(“delete /float 1”)</a:t>
+              <a:t>parse(“delete </a:t>
+            </a:r>
+            <a:r>
+              <a:rPr lang="en-US" dirty="0" smtClean="0"/>
+              <a:t>float </a:t>
+            </a:r>
+            <a:r>
+              <a:rPr lang="en-US" dirty="0" smtClean="0"/>
+              <a:t>1”)</a:t>
             </a:r>
             <a:endParaRPr lang="en-US" dirty="0"/>
           </a:p>
